--- a/Documentation/Proposal/GP_B22_Project.pptx
+++ b/Documentation/Proposal/GP_B22_Project.pptx
@@ -4316,151 +4316,23 @@
       </p:grpSpPr>
       <p:sp>
         <p:nvSpPr>
-          <p:cNvPr id="3" name="標題 2"/>
-          <p:cNvSpPr>
-            <a:spLocks noGrp="1"/>
-          </p:cNvSpPr>
-          <p:nvPr>
-            <p:ph type="ctrTitle"/>
+          <p:cNvPr id="4" name="副標題 3"/>
+          <p:cNvSpPr>
+            <a:spLocks noGrp="1"/>
+          </p:cNvSpPr>
+          <p:nvPr>
+            <p:ph type="subTitle" idx="1"/>
           </p:nvPr>
         </p:nvSpPr>
         <p:spPr>
           <a:xfrm>
-            <a:off x="1078815" y="762000"/>
-            <a:ext cx="8686798" cy="1828800"/>
+            <a:off x="1078815" y="2819400"/>
+            <a:ext cx="8229600" cy="801498"/>
           </a:xfrm>
         </p:spPr>
         <p:txBody>
           <a:bodyPr rtlCol="0">
             <a:normAutofit/>
-          </a:bodyPr>
-          <a:lstStyle/>
-          <a:p>
-            <a:r>
-              <a:rPr lang="en-GB" altLang="zh-HK" sz="2000" b="1" dirty="0">
-                <a:latin typeface="Arial" panose="020B0604020202020204" pitchFamily="34" charset="0"/>
-                <a:cs typeface="Arial" panose="020B0604020202020204" pitchFamily="34" charset="0"/>
-              </a:rPr>
-              <a:t>Hong Kong Institute of Vocational Education</a:t>
-            </a:r>
-            <a:r>
-              <a:rPr lang="zh-TW" altLang="zh-HK" sz="2000" dirty="0">
-                <a:latin typeface="Arial" panose="020B0604020202020204" pitchFamily="34" charset="0"/>
-                <a:cs typeface="Arial" panose="020B0604020202020204" pitchFamily="34" charset="0"/>
-              </a:rPr>
-              <a:t/>
-            </a:r>
-            <a:br>
-              <a:rPr lang="zh-TW" altLang="zh-HK" sz="2000" dirty="0">
-                <a:latin typeface="Arial" panose="020B0604020202020204" pitchFamily="34" charset="0"/>
-                <a:cs typeface="Arial" panose="020B0604020202020204" pitchFamily="34" charset="0"/>
-              </a:rPr>
-            </a:br>
-            <a:r>
-              <a:rPr lang="en-GB" altLang="zh-HK" sz="2000" b="1" dirty="0">
-                <a:latin typeface="Arial" panose="020B0604020202020204" pitchFamily="34" charset="0"/>
-                <a:cs typeface="Arial" panose="020B0604020202020204" pitchFamily="34" charset="0"/>
-              </a:rPr>
-              <a:t> </a:t>
-            </a:r>
-            <a:r>
-              <a:rPr lang="zh-TW" altLang="zh-HK" sz="2000" dirty="0">
-                <a:latin typeface="Arial" panose="020B0604020202020204" pitchFamily="34" charset="0"/>
-                <a:cs typeface="Arial" panose="020B0604020202020204" pitchFamily="34" charset="0"/>
-              </a:rPr>
-              <a:t/>
-            </a:r>
-            <a:br>
-              <a:rPr lang="zh-TW" altLang="zh-HK" sz="2000" dirty="0">
-                <a:latin typeface="Arial" panose="020B0604020202020204" pitchFamily="34" charset="0"/>
-                <a:cs typeface="Arial" panose="020B0604020202020204" pitchFamily="34" charset="0"/>
-              </a:rPr>
-            </a:br>
-            <a:r>
-              <a:rPr lang="en-GB" altLang="zh-HK" sz="2000" b="1" dirty="0">
-                <a:latin typeface="Arial" panose="020B0604020202020204" pitchFamily="34" charset="0"/>
-                <a:cs typeface="Arial" panose="020B0604020202020204" pitchFamily="34" charset="0"/>
-              </a:rPr>
-              <a:t>Department of Information Technology</a:t>
-            </a:r>
-            <a:br>
-              <a:rPr lang="en-GB" altLang="zh-HK" sz="2000" b="1" dirty="0">
-                <a:latin typeface="Arial" panose="020B0604020202020204" pitchFamily="34" charset="0"/>
-                <a:cs typeface="Arial" panose="020B0604020202020204" pitchFamily="34" charset="0"/>
-              </a:rPr>
-            </a:br>
-            <a:r>
-              <a:rPr lang="en-GB" altLang="zh-HK" sz="2000" b="1" dirty="0">
-                <a:latin typeface="Arial" panose="020B0604020202020204" pitchFamily="34" charset="0"/>
-                <a:cs typeface="Arial" panose="020B0604020202020204" pitchFamily="34" charset="0"/>
-              </a:rPr>
-              <a:t/>
-            </a:r>
-            <a:br>
-              <a:rPr lang="en-GB" altLang="zh-HK" sz="2000" b="1" dirty="0">
-                <a:latin typeface="Arial" panose="020B0604020202020204" pitchFamily="34" charset="0"/>
-                <a:cs typeface="Arial" panose="020B0604020202020204" pitchFamily="34" charset="0"/>
-              </a:rPr>
-            </a:br>
-            <a:r>
-              <a:rPr lang="en-GB" altLang="zh-HK" sz="2000" b="1" dirty="0">
-                <a:latin typeface="Arial" panose="020B0604020202020204" pitchFamily="34" charset="0"/>
-                <a:cs typeface="Arial" panose="020B0604020202020204" pitchFamily="34" charset="0"/>
-              </a:rPr>
-              <a:t>ITE3902 Smartphone Apps Fundamentals</a:t>
-            </a:r>
-            <a:br>
-              <a:rPr lang="en-GB" altLang="zh-HK" sz="2000" b="1" dirty="0">
-                <a:latin typeface="Arial" panose="020B0604020202020204" pitchFamily="34" charset="0"/>
-                <a:cs typeface="Arial" panose="020B0604020202020204" pitchFamily="34" charset="0"/>
-              </a:rPr>
-            </a:br>
-            <a:r>
-              <a:rPr lang="en-GB" altLang="zh-HK" sz="2000" b="1" dirty="0">
-                <a:latin typeface="Arial" panose="020B0604020202020204" pitchFamily="34" charset="0"/>
-                <a:cs typeface="Arial" panose="020B0604020202020204" pitchFamily="34" charset="0"/>
-              </a:rPr>
-              <a:t/>
-            </a:r>
-            <a:br>
-              <a:rPr lang="en-GB" altLang="zh-HK" sz="2000" b="1" dirty="0">
-                <a:latin typeface="Arial" panose="020B0604020202020204" pitchFamily="34" charset="0"/>
-                <a:cs typeface="Arial" panose="020B0604020202020204" pitchFamily="34" charset="0"/>
-              </a:rPr>
-            </a:br>
-            <a:r>
-              <a:rPr lang="en-GB" altLang="zh-HK" sz="2000" b="1" dirty="0">
-                <a:latin typeface="Arial" panose="020B0604020202020204" pitchFamily="34" charset="0"/>
-                <a:cs typeface="Arial" panose="020B0604020202020204" pitchFamily="34" charset="0"/>
-              </a:rPr>
-              <a:t>Assignment</a:t>
-            </a:r>
-            <a:endParaRPr lang="zh-TW" altLang="zh-HK" sz="2000" b="1" dirty="0">
-              <a:latin typeface="Arial" panose="020B0604020202020204" pitchFamily="34" charset="0"/>
-              <a:cs typeface="Arial" panose="020B0604020202020204" pitchFamily="34" charset="0"/>
-            </a:endParaRPr>
-          </a:p>
-        </p:txBody>
-      </p:sp>
-      <p:sp>
-        <p:nvSpPr>
-          <p:cNvPr id="4" name="副標題 3"/>
-          <p:cNvSpPr>
-            <a:spLocks noGrp="1"/>
-          </p:cNvSpPr>
-          <p:nvPr>
-            <p:ph type="subTitle" idx="1"/>
-          </p:nvPr>
-        </p:nvSpPr>
-        <p:spPr>
-          <a:xfrm>
-            <a:off x="1078815" y="3011298"/>
-            <a:ext cx="8229600" cy="609600"/>
-          </a:xfrm>
-        </p:spPr>
-        <p:txBody>
-          <a:bodyPr rtlCol="0">
-            <a:normAutofit lnSpcReduction="10000"/>
           </a:bodyPr>
           <a:lstStyle/>
           <a:p>
@@ -4479,7 +4351,7 @@
           <p:cNvPr id="2" name="文字方塊 1">
             <a:extLst>
               <a:ext uri="{FF2B5EF4-FFF2-40B4-BE49-F238E27FC236}">
-                <a16:creationId xmlns:a16="http://schemas.microsoft.com/office/drawing/2014/main" xmlns="" id="{CD2E257E-1ACA-4DBC-88E3-BC7EBE268538}"/>
+                <a16:creationId xmlns="" xmlns:a16="http://schemas.microsoft.com/office/drawing/2014/main" id="{CD2E257E-1ACA-4DBC-88E3-BC7EBE268538}"/>
               </a:ext>
             </a:extLst>
           </p:cNvPr>
@@ -4636,7 +4508,7 @@
           <p:cNvPr id="2" name="標題 1">
             <a:extLst>
               <a:ext uri="{FF2B5EF4-FFF2-40B4-BE49-F238E27FC236}">
-                <a16:creationId xmlns:a16="http://schemas.microsoft.com/office/drawing/2014/main" xmlns="" id="{8DF2A01C-D5A8-4776-8AAD-2F027F259866}"/>
+                <a16:creationId xmlns="" xmlns:a16="http://schemas.microsoft.com/office/drawing/2014/main" id="{8DF2A01C-D5A8-4776-8AAD-2F027F259866}"/>
               </a:ext>
             </a:extLst>
           </p:cNvPr>
@@ -4744,7 +4616,7 @@
           <p:cNvPr id="2" name="標題 1">
             <a:extLst>
               <a:ext uri="{FF2B5EF4-FFF2-40B4-BE49-F238E27FC236}">
-                <a16:creationId xmlns:a16="http://schemas.microsoft.com/office/drawing/2014/main" xmlns="" id="{8DF2A01C-D5A8-4776-8AAD-2F027F259866}"/>
+                <a16:creationId xmlns="" xmlns:a16="http://schemas.microsoft.com/office/drawing/2014/main" id="{8DF2A01C-D5A8-4776-8AAD-2F027F259866}"/>
               </a:ext>
             </a:extLst>
           </p:cNvPr>
@@ -4852,7 +4724,7 @@
           <p:cNvPr id="2" name="標題 1">
             <a:extLst>
               <a:ext uri="{FF2B5EF4-FFF2-40B4-BE49-F238E27FC236}">
-                <a16:creationId xmlns:a16="http://schemas.microsoft.com/office/drawing/2014/main" xmlns="" id="{8DF2A01C-D5A8-4776-8AAD-2F027F259866}"/>
+                <a16:creationId xmlns="" xmlns:a16="http://schemas.microsoft.com/office/drawing/2014/main" id="{8DF2A01C-D5A8-4776-8AAD-2F027F259866}"/>
               </a:ext>
             </a:extLst>
           </p:cNvPr>
@@ -4888,7 +4760,7 @@
           <p:cNvPr id="3" name="內容版面配置區 2">
             <a:extLst>
               <a:ext uri="{FF2B5EF4-FFF2-40B4-BE49-F238E27FC236}">
-                <a16:creationId xmlns:a16="http://schemas.microsoft.com/office/drawing/2014/main" xmlns="" id="{0FB978CF-36E4-4BF0-8AAF-03094D4661BD}"/>
+                <a16:creationId xmlns="" xmlns:a16="http://schemas.microsoft.com/office/drawing/2014/main" id="{0FB978CF-36E4-4BF0-8AAF-03094D4661BD}"/>
               </a:ext>
             </a:extLst>
           </p:cNvPr>
@@ -5045,7 +4917,7 @@
           <p:cNvPr id="2" name="標題 1">
             <a:extLst>
               <a:ext uri="{FF2B5EF4-FFF2-40B4-BE49-F238E27FC236}">
-                <a16:creationId xmlns:a16="http://schemas.microsoft.com/office/drawing/2014/main" xmlns="" id="{E9BF19CB-392E-4B2F-870D-2436F454F17D}"/>
+                <a16:creationId xmlns="" xmlns:a16="http://schemas.microsoft.com/office/drawing/2014/main" id="{E9BF19CB-392E-4B2F-870D-2436F454F17D}"/>
               </a:ext>
             </a:extLst>
           </p:cNvPr>
@@ -5080,7 +4952,7 @@
           <p:cNvPr id="3" name="內容版面配置區 2">
             <a:extLst>
               <a:ext uri="{FF2B5EF4-FFF2-40B4-BE49-F238E27FC236}">
-                <a16:creationId xmlns:a16="http://schemas.microsoft.com/office/drawing/2014/main" xmlns="" id="{EA2E83B4-67FC-41E4-8D37-A937A25218FE}"/>
+                <a16:creationId xmlns="" xmlns:a16="http://schemas.microsoft.com/office/drawing/2014/main" id="{EA2E83B4-67FC-41E4-8D37-A937A25218FE}"/>
               </a:ext>
             </a:extLst>
           </p:cNvPr>
@@ -5210,7 +5082,7 @@
           <p:cNvPr id="2" name="標題 1">
             <a:extLst>
               <a:ext uri="{FF2B5EF4-FFF2-40B4-BE49-F238E27FC236}">
-                <a16:creationId xmlns:a16="http://schemas.microsoft.com/office/drawing/2014/main" xmlns="" id="{48C9E0ED-9DAA-45C5-B5E0-357F6D6FD7BF}"/>
+                <a16:creationId xmlns="" xmlns:a16="http://schemas.microsoft.com/office/drawing/2014/main" id="{48C9E0ED-9DAA-45C5-B5E0-357F6D6FD7BF}"/>
               </a:ext>
             </a:extLst>
           </p:cNvPr>
@@ -5245,7 +5117,7 @@
           <p:cNvPr id="3" name="內容版面配置區 2">
             <a:extLst>
               <a:ext uri="{FF2B5EF4-FFF2-40B4-BE49-F238E27FC236}">
-                <a16:creationId xmlns:a16="http://schemas.microsoft.com/office/drawing/2014/main" xmlns="" id="{DD9896F2-E1F4-4184-84E4-7E65B18994A8}"/>
+                <a16:creationId xmlns="" xmlns:a16="http://schemas.microsoft.com/office/drawing/2014/main" id="{DD9896F2-E1F4-4184-84E4-7E65B18994A8}"/>
               </a:ext>
             </a:extLst>
           </p:cNvPr>
@@ -5393,7 +5265,7 @@
           <p:cNvPr id="4" name="內容版面配置區 3">
             <a:extLst>
               <a:ext uri="{FF2B5EF4-FFF2-40B4-BE49-F238E27FC236}">
-                <a16:creationId xmlns:a16="http://schemas.microsoft.com/office/drawing/2014/main" xmlns="" id="{DB3C0096-9B68-4057-A79C-A6FA617A30A6}"/>
+                <a16:creationId xmlns="" xmlns:a16="http://schemas.microsoft.com/office/drawing/2014/main" id="{DB3C0096-9B68-4057-A79C-A6FA617A30A6}"/>
               </a:ext>
             </a:extLst>
           </p:cNvPr>
@@ -5687,7 +5559,7 @@
           <p:cNvPr id="4" name="內容版面配置區 3">
             <a:extLst>
               <a:ext uri="{FF2B5EF4-FFF2-40B4-BE49-F238E27FC236}">
-                <a16:creationId xmlns:a16="http://schemas.microsoft.com/office/drawing/2014/main" xmlns="" id="{DB3C0096-9B68-4057-A79C-A6FA617A30A6}"/>
+                <a16:creationId xmlns="" xmlns:a16="http://schemas.microsoft.com/office/drawing/2014/main" id="{DB3C0096-9B68-4057-A79C-A6FA617A30A6}"/>
               </a:ext>
             </a:extLst>
           </p:cNvPr>
@@ -5732,7 +5604,7 @@
           <p:cNvPr id="9" name="Picture 1" descr="../../../Desktop/Screen%20Shot%202018-02-23%20at%2012.05.02%20PM.png">
             <a:extLst>
               <a:ext uri="{FF2B5EF4-FFF2-40B4-BE49-F238E27FC236}">
-                <a16:creationId xmlns:a16="http://schemas.microsoft.com/office/drawing/2014/main" xmlns="" id="{F332519B-5B5B-4BF8-8B0C-1E64E52D0DF5}"/>
+                <a16:creationId xmlns="" xmlns:a16="http://schemas.microsoft.com/office/drawing/2014/main" id="{F332519B-5B5B-4BF8-8B0C-1E64E52D0DF5}"/>
               </a:ext>
             </a:extLst>
           </p:cNvPr>
@@ -6041,7 +5913,7 @@
           <p:cNvPr id="2" name="標題 1">
             <a:extLst>
               <a:ext uri="{FF2B5EF4-FFF2-40B4-BE49-F238E27FC236}">
-                <a16:creationId xmlns:a16="http://schemas.microsoft.com/office/drawing/2014/main" xmlns="" id="{A1CCB2E6-7C95-4DF3-905A-09CF7D5FD67E}"/>
+                <a16:creationId xmlns="" xmlns:a16="http://schemas.microsoft.com/office/drawing/2014/main" id="{A1CCB2E6-7C95-4DF3-905A-09CF7D5FD67E}"/>
               </a:ext>
             </a:extLst>
           </p:cNvPr>
@@ -6078,7 +5950,7 @@
           <p:cNvPr id="3" name="內容版面配置區 2">
             <a:extLst>
               <a:ext uri="{FF2B5EF4-FFF2-40B4-BE49-F238E27FC236}">
-                <a16:creationId xmlns:a16="http://schemas.microsoft.com/office/drawing/2014/main" xmlns="" id="{8A6A5ED8-9313-40BA-9248-3F095B36786F}"/>
+                <a16:creationId xmlns="" xmlns:a16="http://schemas.microsoft.com/office/drawing/2014/main" id="{8A6A5ED8-9313-40BA-9248-3F095B36786F}"/>
               </a:ext>
             </a:extLst>
           </p:cNvPr>
@@ -6253,7 +6125,7 @@
           <p:cNvPr id="2" name="標題 1">
             <a:extLst>
               <a:ext uri="{FF2B5EF4-FFF2-40B4-BE49-F238E27FC236}">
-                <a16:creationId xmlns:a16="http://schemas.microsoft.com/office/drawing/2014/main" xmlns="" id="{8DF2A01C-D5A8-4776-8AAD-2F027F259866}"/>
+                <a16:creationId xmlns="" xmlns:a16="http://schemas.microsoft.com/office/drawing/2014/main" id="{8DF2A01C-D5A8-4776-8AAD-2F027F259866}"/>
               </a:ext>
             </a:extLst>
           </p:cNvPr>
@@ -6361,7 +6233,7 @@
           <p:cNvPr id="2" name="標題 1">
             <a:extLst>
               <a:ext uri="{FF2B5EF4-FFF2-40B4-BE49-F238E27FC236}">
-                <a16:creationId xmlns:a16="http://schemas.microsoft.com/office/drawing/2014/main" xmlns="" id="{8DF2A01C-D5A8-4776-8AAD-2F027F259866}"/>
+                <a16:creationId xmlns="" xmlns:a16="http://schemas.microsoft.com/office/drawing/2014/main" id="{8DF2A01C-D5A8-4776-8AAD-2F027F259866}"/>
               </a:ext>
             </a:extLst>
           </p:cNvPr>
@@ -6469,7 +6341,7 @@
           <p:cNvPr id="2" name="標題 1">
             <a:extLst>
               <a:ext uri="{FF2B5EF4-FFF2-40B4-BE49-F238E27FC236}">
-                <a16:creationId xmlns:a16="http://schemas.microsoft.com/office/drawing/2014/main" xmlns="" id="{8DF2A01C-D5A8-4776-8AAD-2F027F259866}"/>
+                <a16:creationId xmlns="" xmlns:a16="http://schemas.microsoft.com/office/drawing/2014/main" id="{8DF2A01C-D5A8-4776-8AAD-2F027F259866}"/>
               </a:ext>
             </a:extLst>
           </p:cNvPr>
@@ -6577,7 +6449,7 @@
           <p:cNvPr id="2" name="標題 1">
             <a:extLst>
               <a:ext uri="{FF2B5EF4-FFF2-40B4-BE49-F238E27FC236}">
-                <a16:creationId xmlns:a16="http://schemas.microsoft.com/office/drawing/2014/main" xmlns="" id="{8DF2A01C-D5A8-4776-8AAD-2F027F259866}"/>
+                <a16:creationId xmlns="" xmlns:a16="http://schemas.microsoft.com/office/drawing/2014/main" id="{8DF2A01C-D5A8-4776-8AAD-2F027F259866}"/>
               </a:ext>
             </a:extLst>
           </p:cNvPr>
@@ -6685,7 +6557,7 @@
           <p:cNvPr id="2" name="標題 1">
             <a:extLst>
               <a:ext uri="{FF2B5EF4-FFF2-40B4-BE49-F238E27FC236}">
-                <a16:creationId xmlns:a16="http://schemas.microsoft.com/office/drawing/2014/main" xmlns="" id="{8DF2A01C-D5A8-4776-8AAD-2F027F259866}"/>
+                <a16:creationId xmlns="" xmlns:a16="http://schemas.microsoft.com/office/drawing/2014/main" id="{8DF2A01C-D5A8-4776-8AAD-2F027F259866}"/>
               </a:ext>
             </a:extLst>
           </p:cNvPr>
@@ -6793,7 +6665,7 @@
           <p:cNvPr id="2" name="標題 1">
             <a:extLst>
               <a:ext uri="{FF2B5EF4-FFF2-40B4-BE49-F238E27FC236}">
-                <a16:creationId xmlns:a16="http://schemas.microsoft.com/office/drawing/2014/main" xmlns="" id="{8DF2A01C-D5A8-4776-8AAD-2F027F259866}"/>
+                <a16:creationId xmlns="" xmlns:a16="http://schemas.microsoft.com/office/drawing/2014/main" id="{8DF2A01C-D5A8-4776-8AAD-2F027F259866}"/>
               </a:ext>
             </a:extLst>
           </p:cNvPr>
